--- a/Slides/AOI-Steps.pptx
+++ b/Slides/AOI-Steps.pptx
@@ -216,7 +216,7 @@
           <a:p>
             <a:fld id="{5D80A275-DF77-44AF-99DD-75E63BF05CC8}" type="datetimeFigureOut">
               <a:rPr lang="zh-TW" altLang="en-US" smtClean="0"/>
-              <a:t>2019/7/25</a:t>
+              <a:t>2019/7/28</a:t>
             </a:fld>
             <a:endParaRPr lang="zh-TW" altLang="en-US"/>
           </a:p>
@@ -484,6 +484,90 @@
 </p:notesMaster>
 </file>
 
+<file path=ppt/notesSlides/notesSlide1.xml><?xml version="1.0" encoding="utf-8"?>
+<p:notes xmlns:a="http://schemas.openxmlformats.org/drawingml/2006/main" xmlns:r="http://schemas.openxmlformats.org/officeDocument/2006/relationships" xmlns:p="http://schemas.openxmlformats.org/presentationml/2006/main">
+  <p:cSld>
+    <p:spTree>
+      <p:nvGrpSpPr>
+        <p:cNvPr id="1" name=""/>
+        <p:cNvGrpSpPr/>
+        <p:nvPr/>
+      </p:nvGrpSpPr>
+      <p:grpSpPr>
+        <a:xfrm>
+          <a:off x="0" y="0"/>
+          <a:ext cx="0" cy="0"/>
+          <a:chOff x="0" y="0"/>
+          <a:chExt cx="0" cy="0"/>
+        </a:xfrm>
+      </p:grpSpPr>
+      <p:sp>
+        <p:nvSpPr>
+          <p:cNvPr id="2" name="投影片圖像版面配置區 1"/>
+          <p:cNvSpPr>
+            <a:spLocks noGrp="1" noRot="1" noChangeAspect="1"/>
+          </p:cNvSpPr>
+          <p:nvPr>
+            <p:ph type="sldImg"/>
+          </p:nvPr>
+        </p:nvSpPr>
+        <p:spPr/>
+      </p:sp>
+      <p:sp>
+        <p:nvSpPr>
+          <p:cNvPr id="3" name="備忘稿版面配置區 2"/>
+          <p:cNvSpPr>
+            <a:spLocks noGrp="1"/>
+          </p:cNvSpPr>
+          <p:nvPr>
+            <p:ph type="body" idx="1"/>
+          </p:nvPr>
+        </p:nvSpPr>
+        <p:spPr/>
+        <p:txBody>
+          <a:bodyPr/>
+          <a:lstStyle/>
+          <a:p>
+            <a:endParaRPr lang="zh-TW" altLang="en-US" dirty="0"/>
+          </a:p>
+        </p:txBody>
+      </p:sp>
+      <p:sp>
+        <p:nvSpPr>
+          <p:cNvPr id="4" name="投影片編號版面配置區 3"/>
+          <p:cNvSpPr>
+            <a:spLocks noGrp="1"/>
+          </p:cNvSpPr>
+          <p:nvPr>
+            <p:ph type="sldNum" sz="quarter" idx="10"/>
+          </p:nvPr>
+        </p:nvSpPr>
+        <p:spPr/>
+        <p:txBody>
+          <a:bodyPr/>
+          <a:lstStyle/>
+          <a:p>
+            <a:fld id="{C88EBA4F-C10E-48E7-95BA-A8B5D18764E7}" type="slidenum">
+              <a:rPr lang="zh-TW" altLang="en-US" smtClean="0"/>
+              <a:t>8</a:t>
+            </a:fld>
+            <a:endParaRPr lang="zh-TW" altLang="en-US"/>
+          </a:p>
+        </p:txBody>
+      </p:sp>
+    </p:spTree>
+    <p:extLst>
+      <p:ext uri="{BB962C8B-B14F-4D97-AF65-F5344CB8AC3E}">
+        <p14:creationId xmlns:p14="http://schemas.microsoft.com/office/powerpoint/2010/main" val="3882232066"/>
+      </p:ext>
+    </p:extLst>
+  </p:cSld>
+  <p:clrMapOvr>
+    <a:masterClrMapping/>
+  </p:clrMapOvr>
+</p:notes>
+</file>
+
 <file path=ppt/slideLayouts/slideLayout1.xml><?xml version="1.0" encoding="utf-8"?>
 <p:sldLayout xmlns:a="http://schemas.openxmlformats.org/drawingml/2006/main" xmlns:r="http://schemas.openxmlformats.org/officeDocument/2006/relationships" xmlns:p="http://schemas.openxmlformats.org/presentationml/2006/main" type="title" preserve="1">
   <p:cSld name="標題投影片">
@@ -685,7 +769,7 @@
           <a:p>
             <a:fld id="{4C64A9B7-F62E-4427-8927-2F3CBAEA7861}" type="datetime1">
               <a:rPr lang="en-US" altLang="zh-TW" smtClean="0"/>
-              <a:t>7/25/2019</a:t>
+              <a:t>7/28/2019</a:t>
             </a:fld>
             <a:endParaRPr lang="en-US"/>
           </a:p>
@@ -971,7 +1055,7 @@
           <a:p>
             <a:fld id="{F91235A4-28AD-45EC-8530-7E61BE403C9B}" type="datetime1">
               <a:rPr lang="en-US" altLang="zh-TW" smtClean="0"/>
-              <a:t>7/25/2019</a:t>
+              <a:t>7/28/2019</a:t>
             </a:fld>
             <a:endParaRPr lang="en-US"/>
           </a:p>
@@ -1290,7 +1374,7 @@
           <a:p>
             <a:fld id="{FB8905B2-6EDD-47A6-9D46-949080931F31}" type="datetime1">
               <a:rPr lang="en-US" altLang="zh-TW" smtClean="0"/>
-              <a:t>7/25/2019</a:t>
+              <a:t>7/28/2019</a:t>
             </a:fld>
             <a:endParaRPr lang="en-US"/>
           </a:p>
@@ -1611,7 +1695,7 @@
           <a:p>
             <a:fld id="{DCAEE13E-DC2C-4F30-B5C4-CF34B7C6216D}" type="datetime1">
               <a:rPr lang="en-US" altLang="zh-TW" smtClean="0"/>
-              <a:t>7/25/2019</a:t>
+              <a:t>7/28/2019</a:t>
             </a:fld>
             <a:endParaRPr lang="en-US"/>
           </a:p>
@@ -1930,7 +2014,7 @@
           <a:p>
             <a:fld id="{5D948DE2-71FE-458B-B98E-9EF1D9303440}" type="datetime1">
               <a:rPr lang="en-US" altLang="zh-TW" smtClean="0"/>
-              <a:t>7/25/2019</a:t>
+              <a:t>7/28/2019</a:t>
             </a:fld>
             <a:endParaRPr lang="en-US"/>
           </a:p>
@@ -2218,7 +2302,7 @@
           <a:p>
             <a:fld id="{82CBB3DF-5B9F-4ED9-BA73-EC0CADCD2AFD}" type="datetime1">
               <a:rPr lang="en-US" altLang="zh-TW" smtClean="0"/>
-              <a:t>7/25/2019</a:t>
+              <a:t>7/28/2019</a:t>
             </a:fld>
             <a:endParaRPr lang="en-US"/>
           </a:p>
@@ -2683,7 +2767,7 @@
           <a:p>
             <a:fld id="{F1363462-AECF-4718-AA53-28D4DA69E83B}" type="datetime1">
               <a:rPr lang="en-US" altLang="zh-TW" smtClean="0"/>
-              <a:t>7/25/2019</a:t>
+              <a:t>7/28/2019</a:t>
             </a:fld>
             <a:endParaRPr lang="en-US"/>
           </a:p>
@@ -2844,7 +2928,7 @@
           <a:p>
             <a:fld id="{649F6B69-3511-4992-8F89-9D6FC3C02430}" type="datetime1">
               <a:rPr lang="en-US" altLang="zh-TW" smtClean="0"/>
-              <a:t>7/25/2019</a:t>
+              <a:t>7/28/2019</a:t>
             </a:fld>
             <a:endParaRPr lang="en-US"/>
           </a:p>
@@ -2995,7 +3079,7 @@
           <a:p>
             <a:fld id="{161626F5-7889-41B7-801A-1BB32530F292}" type="datetime1">
               <a:rPr lang="en-US" altLang="zh-TW" smtClean="0"/>
-              <a:t>7/25/2019</a:t>
+              <a:t>7/28/2019</a:t>
             </a:fld>
             <a:endParaRPr lang="en-US"/>
           </a:p>
@@ -3379,7 +3463,7 @@
           <a:p>
             <a:fld id="{347EE7DD-2098-47C2-A287-19AD2D006133}" type="datetime1">
               <a:rPr lang="en-US" altLang="zh-TW" smtClean="0"/>
-              <a:t>7/25/2019</a:t>
+              <a:t>7/28/2019</a:t>
             </a:fld>
             <a:endParaRPr lang="en-US"/>
           </a:p>
@@ -3723,7 +3807,7 @@
           <a:p>
             <a:fld id="{DFA512C6-C102-4111-B89C-91D1EFC1F688}" type="datetime1">
               <a:rPr lang="en-US" altLang="zh-TW" smtClean="0"/>
-              <a:t>7/25/2019</a:t>
+              <a:t>7/28/2019</a:t>
             </a:fld>
             <a:endParaRPr lang="en-US"/>
           </a:p>
@@ -4011,7 +4095,7 @@
           <a:p>
             <a:fld id="{5D76EC43-3F23-47A0-A558-104D3D9B4CDB}" type="datetime1">
               <a:rPr lang="en-US" altLang="zh-TW" smtClean="0"/>
-              <a:t>7/25/2019</a:t>
+              <a:t>7/28/2019</a:t>
             </a:fld>
             <a:endParaRPr lang="en-US"/>
           </a:p>
@@ -4517,11 +4601,7 @@
           <a:p>
             <a:r>
               <a:rPr lang="en-US" altLang="zh-TW" sz="2000" dirty="0" smtClean="0"/>
-              <a:t>AOI </a:t>
-            </a:r>
-            <a:r>
-              <a:rPr lang="en-US" altLang="zh-TW" sz="2000" dirty="0" smtClean="0"/>
-              <a:t>Project Demo </a:t>
+              <a:t>AOI Project Demo </a:t>
             </a:r>
             <a:endParaRPr lang="zh-TW" altLang="en-US" sz="2000" dirty="0"/>
           </a:p>
@@ -5149,12 +5229,33 @@
         </p:nvSpPr>
         <p:spPr/>
         <p:txBody>
-          <a:bodyPr/>
+          <a:bodyPr>
+            <a:normAutofit fontScale="90000"/>
+          </a:bodyPr>
           <a:lstStyle/>
           <a:p>
             <a:r>
               <a:rPr lang="en-US" altLang="zh-TW" dirty="0" smtClean="0"/>
-              <a:t>Notebook 1-Resizing images</a:t>
+              <a:t>Notebook </a:t>
+            </a:r>
+            <a:r>
+              <a:rPr lang="en-US" altLang="zh-TW" dirty="0" smtClean="0"/>
+              <a:t>1-Preprocessing</a:t>
+            </a:r>
+            <a:br>
+              <a:rPr lang="en-US" altLang="zh-TW" dirty="0" smtClean="0"/>
+            </a:br>
+            <a:r>
+              <a:rPr lang="en-US" altLang="zh-TW" dirty="0" smtClean="0"/>
+              <a:t>(1) </a:t>
+            </a:r>
+            <a:r>
+              <a:rPr lang="en-US" altLang="zh-TW" dirty="0" smtClean="0"/>
+              <a:t>Resizing </a:t>
+            </a:r>
+            <a:r>
+              <a:rPr lang="en-US" altLang="zh-TW" dirty="0" smtClean="0"/>
+              <a:t>images</a:t>
             </a:r>
             <a:endParaRPr lang="zh-TW" altLang="en-US" dirty="0"/>
           </a:p>
@@ -5531,114 +5632,6 @@
           </a:p>
         </p:txBody>
       </p:sp>
-      <p:pic>
-        <p:nvPicPr>
-          <p:cNvPr id="5" name="圖片 4"/>
-          <p:cNvPicPr>
-            <a:picLocks noChangeAspect="1"/>
-          </p:cNvPicPr>
-          <p:nvPr/>
-        </p:nvPicPr>
-        <p:blipFill>
-          <a:blip r:embed="rId2"/>
-          <a:stretch>
-            <a:fillRect/>
-          </a:stretch>
-        </p:blipFill>
-        <p:spPr>
-          <a:xfrm>
-            <a:off x="3429000" y="2209800"/>
-            <a:ext cx="2049958" cy="2171888"/>
-          </a:xfrm>
-          <a:prstGeom prst="rect">
-            <a:avLst/>
-          </a:prstGeom>
-        </p:spPr>
-      </p:pic>
-      <p:sp>
-        <p:nvSpPr>
-          <p:cNvPr id="6" name="文字方塊 5"/>
-          <p:cNvSpPr txBox="1"/>
-          <p:nvPr/>
-        </p:nvSpPr>
-        <p:spPr>
-          <a:xfrm>
-            <a:off x="3960895" y="4393233"/>
-            <a:ext cx="986167" cy="369332"/>
-          </a:xfrm>
-          <a:prstGeom prst="rect">
-            <a:avLst/>
-          </a:prstGeom>
-          <a:noFill/>
-        </p:spPr>
-        <p:txBody>
-          <a:bodyPr wrap="none" rtlCol="0">
-            <a:spAutoFit/>
-          </a:bodyPr>
-          <a:lstStyle/>
-          <a:p>
-            <a:r>
-              <a:rPr lang="en-US" altLang="zh-TW" dirty="0" smtClean="0"/>
-              <a:t>512x512</a:t>
-            </a:r>
-            <a:endParaRPr lang="zh-TW" altLang="en-US" dirty="0"/>
-          </a:p>
-        </p:txBody>
-      </p:sp>
-      <p:pic>
-        <p:nvPicPr>
-          <p:cNvPr id="7" name="圖片 6"/>
-          <p:cNvPicPr>
-            <a:picLocks noChangeAspect="1"/>
-          </p:cNvPicPr>
-          <p:nvPr/>
-        </p:nvPicPr>
-        <p:blipFill>
-          <a:blip r:embed="rId2"/>
-          <a:stretch>
-            <a:fillRect/>
-          </a:stretch>
-        </p:blipFill>
-        <p:spPr>
-          <a:xfrm>
-            <a:off x="7768678" y="3170703"/>
-            <a:ext cx="1143000" cy="1210985"/>
-          </a:xfrm>
-          <a:prstGeom prst="rect">
-            <a:avLst/>
-          </a:prstGeom>
-        </p:spPr>
-      </p:pic>
-      <p:sp>
-        <p:nvSpPr>
-          <p:cNvPr id="8" name="文字方塊 7"/>
-          <p:cNvSpPr txBox="1"/>
-          <p:nvPr/>
-        </p:nvSpPr>
-        <p:spPr>
-          <a:xfrm>
-            <a:off x="7847095" y="4423251"/>
-            <a:ext cx="986167" cy="369332"/>
-          </a:xfrm>
-          <a:prstGeom prst="rect">
-            <a:avLst/>
-          </a:prstGeom>
-          <a:noFill/>
-        </p:spPr>
-        <p:txBody>
-          <a:bodyPr wrap="none" rtlCol="0">
-            <a:spAutoFit/>
-          </a:bodyPr>
-          <a:lstStyle/>
-          <a:p>
-            <a:r>
-              <a:rPr lang="en-US" altLang="zh-TW" dirty="0" smtClean="0"/>
-              <a:t>224x224</a:t>
-            </a:r>
-            <a:endParaRPr lang="zh-TW" altLang="en-US" dirty="0"/>
-          </a:p>
-        </p:txBody>
-      </p:sp>
       <p:sp>
         <p:nvSpPr>
           <p:cNvPr id="9" name="向右箭號 8"/>
@@ -5647,7 +5640,7 @@
         </p:nvSpPr>
         <p:spPr>
           <a:xfrm>
-            <a:off x="6324600" y="3060698"/>
+            <a:off x="4495800" y="3171497"/>
             <a:ext cx="914400" cy="715497"/>
           </a:xfrm>
           <a:prstGeom prst="rightArrow">
@@ -5676,6 +5669,401 @@
           <a:p>
             <a:pPr algn="ctr"/>
             <a:endParaRPr lang="zh-TW" altLang="en-US"/>
+          </a:p>
+        </p:txBody>
+      </p:sp>
+      <p:pic>
+        <p:nvPicPr>
+          <p:cNvPr id="3" name="圖片 2"/>
+          <p:cNvPicPr>
+            <a:picLocks noChangeAspect="1"/>
+          </p:cNvPicPr>
+          <p:nvPr/>
+        </p:nvPicPr>
+        <p:blipFill>
+          <a:blip r:embed="rId3"/>
+          <a:stretch>
+            <a:fillRect/>
+          </a:stretch>
+        </p:blipFill>
+        <p:spPr>
+          <a:xfrm>
+            <a:off x="3200400" y="1113074"/>
+            <a:ext cx="1005927" cy="5547841"/>
+          </a:xfrm>
+          <a:prstGeom prst="rect">
+            <a:avLst/>
+          </a:prstGeom>
+        </p:spPr>
+      </p:pic>
+      <p:sp>
+        <p:nvSpPr>
+          <p:cNvPr id="10" name="矩形 9"/>
+          <p:cNvSpPr/>
+          <p:nvPr/>
+        </p:nvSpPr>
+        <p:spPr>
+          <a:xfrm>
+            <a:off x="5711218" y="2819400"/>
+            <a:ext cx="1905000" cy="1600200"/>
+          </a:xfrm>
+          <a:prstGeom prst="rect">
+            <a:avLst/>
+          </a:prstGeom>
+        </p:spPr>
+        <p:style>
+          <a:lnRef idx="2">
+            <a:schemeClr val="accent1">
+              <a:shade val="50000"/>
+            </a:schemeClr>
+          </a:lnRef>
+          <a:fillRef idx="1">
+            <a:schemeClr val="accent1"/>
+          </a:fillRef>
+          <a:effectRef idx="0">
+            <a:schemeClr val="accent1"/>
+          </a:effectRef>
+          <a:fontRef idx="minor">
+            <a:schemeClr val="lt1"/>
+          </a:fontRef>
+        </p:style>
+        <p:txBody>
+          <a:bodyPr rtlCol="0" anchor="ctr"/>
+          <a:lstStyle/>
+          <a:p>
+            <a:pPr algn="ctr"/>
+            <a:r>
+              <a:rPr lang="en-US" altLang="zh-TW" dirty="0" smtClean="0"/>
+              <a:t>Deep Learning model</a:t>
+            </a:r>
+            <a:endParaRPr lang="zh-TW" altLang="en-US" dirty="0"/>
+          </a:p>
+        </p:txBody>
+      </p:sp>
+      <p:sp>
+        <p:nvSpPr>
+          <p:cNvPr id="11" name="向右箭號 10"/>
+          <p:cNvSpPr/>
+          <p:nvPr/>
+        </p:nvSpPr>
+        <p:spPr>
+          <a:xfrm>
+            <a:off x="7848600" y="3237985"/>
+            <a:ext cx="812800" cy="534194"/>
+          </a:xfrm>
+          <a:prstGeom prst="rightArrow">
+            <a:avLst/>
+          </a:prstGeom>
+        </p:spPr>
+        <p:style>
+          <a:lnRef idx="2">
+            <a:schemeClr val="accent1">
+              <a:shade val="50000"/>
+            </a:schemeClr>
+          </a:lnRef>
+          <a:fillRef idx="1">
+            <a:schemeClr val="accent1"/>
+          </a:fillRef>
+          <a:effectRef idx="0">
+            <a:schemeClr val="accent1"/>
+          </a:effectRef>
+          <a:fontRef idx="minor">
+            <a:schemeClr val="lt1"/>
+          </a:fontRef>
+        </p:style>
+        <p:txBody>
+          <a:bodyPr rtlCol="0" anchor="ctr"/>
+          <a:lstStyle/>
+          <a:p>
+            <a:pPr algn="ctr"/>
+            <a:endParaRPr lang="zh-TW" altLang="en-US"/>
+          </a:p>
+        </p:txBody>
+      </p:sp>
+      <p:sp>
+        <p:nvSpPr>
+          <p:cNvPr id="12" name="左大括弧 11"/>
+          <p:cNvSpPr/>
+          <p:nvPr/>
+        </p:nvSpPr>
+        <p:spPr>
+          <a:xfrm>
+            <a:off x="8737600" y="1417638"/>
+            <a:ext cx="482600" cy="5243277"/>
+          </a:xfrm>
+          <a:prstGeom prst="leftBrace">
+            <a:avLst/>
+          </a:prstGeom>
+        </p:spPr>
+        <p:style>
+          <a:lnRef idx="1">
+            <a:schemeClr val="accent1"/>
+          </a:lnRef>
+          <a:fillRef idx="0">
+            <a:schemeClr val="accent1"/>
+          </a:fillRef>
+          <a:effectRef idx="0">
+            <a:schemeClr val="accent1"/>
+          </a:effectRef>
+          <a:fontRef idx="minor">
+            <a:schemeClr val="tx1"/>
+          </a:fontRef>
+        </p:style>
+        <p:txBody>
+          <a:bodyPr rtlCol="0" anchor="ctr"/>
+          <a:lstStyle/>
+          <a:p>
+            <a:pPr algn="ctr"/>
+            <a:endParaRPr lang="zh-TW" altLang="en-US"/>
+          </a:p>
+        </p:txBody>
+      </p:sp>
+      <p:sp>
+        <p:nvSpPr>
+          <p:cNvPr id="13" name="橢圓 12"/>
+          <p:cNvSpPr/>
+          <p:nvPr/>
+        </p:nvSpPr>
+        <p:spPr>
+          <a:xfrm>
+            <a:off x="9462654" y="1356519"/>
+            <a:ext cx="711200" cy="762000"/>
+          </a:xfrm>
+          <a:prstGeom prst="ellipse">
+            <a:avLst/>
+          </a:prstGeom>
+        </p:spPr>
+        <p:style>
+          <a:lnRef idx="2">
+            <a:schemeClr val="accent1">
+              <a:shade val="50000"/>
+            </a:schemeClr>
+          </a:lnRef>
+          <a:fillRef idx="1">
+            <a:schemeClr val="accent1"/>
+          </a:fillRef>
+          <a:effectRef idx="0">
+            <a:schemeClr val="accent1"/>
+          </a:effectRef>
+          <a:fontRef idx="minor">
+            <a:schemeClr val="lt1"/>
+          </a:fontRef>
+        </p:style>
+        <p:txBody>
+          <a:bodyPr rtlCol="0" anchor="ctr"/>
+          <a:lstStyle/>
+          <a:p>
+            <a:pPr algn="ctr"/>
+            <a:r>
+              <a:rPr lang="en-US" altLang="zh-TW" dirty="0" smtClean="0"/>
+              <a:t>1</a:t>
+            </a:r>
+            <a:endParaRPr lang="zh-TW" altLang="en-US" dirty="0"/>
+          </a:p>
+        </p:txBody>
+      </p:sp>
+      <p:sp>
+        <p:nvSpPr>
+          <p:cNvPr id="14" name="橢圓 13"/>
+          <p:cNvSpPr/>
+          <p:nvPr/>
+        </p:nvSpPr>
+        <p:spPr>
+          <a:xfrm>
+            <a:off x="9462654" y="2409497"/>
+            <a:ext cx="711200" cy="762000"/>
+          </a:xfrm>
+          <a:prstGeom prst="ellipse">
+            <a:avLst/>
+          </a:prstGeom>
+        </p:spPr>
+        <p:style>
+          <a:lnRef idx="2">
+            <a:schemeClr val="accent1">
+              <a:shade val="50000"/>
+            </a:schemeClr>
+          </a:lnRef>
+          <a:fillRef idx="1">
+            <a:schemeClr val="accent1"/>
+          </a:fillRef>
+          <a:effectRef idx="0">
+            <a:schemeClr val="accent1"/>
+          </a:effectRef>
+          <a:fontRef idx="minor">
+            <a:schemeClr val="lt1"/>
+          </a:fontRef>
+        </p:style>
+        <p:txBody>
+          <a:bodyPr rtlCol="0" anchor="ctr"/>
+          <a:lstStyle/>
+          <a:p>
+            <a:pPr algn="ctr"/>
+            <a:r>
+              <a:rPr lang="en-US" altLang="zh-TW" dirty="0" smtClean="0"/>
+              <a:t>0</a:t>
+            </a:r>
+            <a:endParaRPr lang="zh-TW" altLang="en-US" dirty="0"/>
+          </a:p>
+        </p:txBody>
+      </p:sp>
+      <p:sp>
+        <p:nvSpPr>
+          <p:cNvPr id="15" name="橢圓 14"/>
+          <p:cNvSpPr/>
+          <p:nvPr/>
+        </p:nvSpPr>
+        <p:spPr>
+          <a:xfrm>
+            <a:off x="9462654" y="3549514"/>
+            <a:ext cx="711200" cy="762000"/>
+          </a:xfrm>
+          <a:prstGeom prst="ellipse">
+            <a:avLst/>
+          </a:prstGeom>
+        </p:spPr>
+        <p:style>
+          <a:lnRef idx="2">
+            <a:schemeClr val="accent1">
+              <a:shade val="50000"/>
+            </a:schemeClr>
+          </a:lnRef>
+          <a:fillRef idx="1">
+            <a:schemeClr val="accent1"/>
+          </a:fillRef>
+          <a:effectRef idx="0">
+            <a:schemeClr val="accent1"/>
+          </a:effectRef>
+          <a:fontRef idx="minor">
+            <a:schemeClr val="lt1"/>
+          </a:fontRef>
+        </p:style>
+        <p:txBody>
+          <a:bodyPr rtlCol="0" anchor="ctr"/>
+          <a:lstStyle/>
+          <a:p>
+            <a:pPr algn="ctr"/>
+            <a:r>
+              <a:rPr lang="en-US" altLang="zh-TW" dirty="0" smtClean="0"/>
+              <a:t>2</a:t>
+            </a:r>
+            <a:endParaRPr lang="zh-TW" altLang="en-US" dirty="0"/>
+          </a:p>
+        </p:txBody>
+      </p:sp>
+      <p:sp>
+        <p:nvSpPr>
+          <p:cNvPr id="16" name="橢圓 15"/>
+          <p:cNvSpPr/>
+          <p:nvPr/>
+        </p:nvSpPr>
+        <p:spPr>
+          <a:xfrm>
+            <a:off x="9462654" y="4602492"/>
+            <a:ext cx="711200" cy="762000"/>
+          </a:xfrm>
+          <a:prstGeom prst="ellipse">
+            <a:avLst/>
+          </a:prstGeom>
+        </p:spPr>
+        <p:style>
+          <a:lnRef idx="2">
+            <a:schemeClr val="accent1">
+              <a:shade val="50000"/>
+            </a:schemeClr>
+          </a:lnRef>
+          <a:fillRef idx="1">
+            <a:schemeClr val="accent1"/>
+          </a:fillRef>
+          <a:effectRef idx="0">
+            <a:schemeClr val="accent1"/>
+          </a:effectRef>
+          <a:fontRef idx="minor">
+            <a:schemeClr val="lt1"/>
+          </a:fontRef>
+        </p:style>
+        <p:txBody>
+          <a:bodyPr rtlCol="0" anchor="ctr"/>
+          <a:lstStyle/>
+          <a:p>
+            <a:pPr algn="ctr"/>
+            <a:r>
+              <a:rPr lang="en-US" altLang="zh-TW" dirty="0" smtClean="0"/>
+              <a:t>0</a:t>
+            </a:r>
+            <a:endParaRPr lang="zh-TW" altLang="en-US" dirty="0"/>
+          </a:p>
+        </p:txBody>
+      </p:sp>
+      <p:sp>
+        <p:nvSpPr>
+          <p:cNvPr id="17" name="橢圓 16"/>
+          <p:cNvSpPr/>
+          <p:nvPr/>
+        </p:nvSpPr>
+        <p:spPr>
+          <a:xfrm>
+            <a:off x="9462654" y="5776913"/>
+            <a:ext cx="711200" cy="762000"/>
+          </a:xfrm>
+          <a:prstGeom prst="ellipse">
+            <a:avLst/>
+          </a:prstGeom>
+        </p:spPr>
+        <p:style>
+          <a:lnRef idx="2">
+            <a:schemeClr val="accent1">
+              <a:shade val="50000"/>
+            </a:schemeClr>
+          </a:lnRef>
+          <a:fillRef idx="1">
+            <a:schemeClr val="accent1"/>
+          </a:fillRef>
+          <a:effectRef idx="0">
+            <a:schemeClr val="accent1"/>
+          </a:effectRef>
+          <a:fontRef idx="minor">
+            <a:schemeClr val="lt1"/>
+          </a:fontRef>
+        </p:style>
+        <p:txBody>
+          <a:bodyPr rtlCol="0" anchor="ctr"/>
+          <a:lstStyle/>
+          <a:p>
+            <a:pPr algn="ctr"/>
+            <a:r>
+              <a:rPr lang="en-US" altLang="zh-TW" dirty="0" smtClean="0"/>
+              <a:t>4</a:t>
+            </a:r>
+            <a:endParaRPr lang="zh-TW" altLang="en-US" dirty="0"/>
+          </a:p>
+        </p:txBody>
+      </p:sp>
+      <p:sp>
+        <p:nvSpPr>
+          <p:cNvPr id="18" name="矩形 17"/>
+          <p:cNvSpPr/>
+          <p:nvPr/>
+        </p:nvSpPr>
+        <p:spPr>
+          <a:xfrm>
+            <a:off x="7754261" y="2868653"/>
+            <a:ext cx="845296" cy="369332"/>
+          </a:xfrm>
+          <a:prstGeom prst="rect">
+            <a:avLst/>
+          </a:prstGeom>
+        </p:spPr>
+        <p:txBody>
+          <a:bodyPr wrap="none">
+            <a:spAutoFit/>
+          </a:bodyPr>
+          <a:lstStyle/>
+          <a:p>
+            <a:r>
+              <a:rPr lang="en-US" altLang="zh-TW" dirty="0"/>
+              <a:t>Predict</a:t>
+            </a:r>
+            <a:endParaRPr lang="zh-TW" altLang="en-US" dirty="0"/>
           </a:p>
         </p:txBody>
       </p:sp>
